--- a/thesis/abs/CoSoNganh.pptx
+++ b/thesis/abs/CoSoNganh.pptx
@@ -25,18 +25,20 @@
     <p:sldId id="286" r:id="rId19"/>
     <p:sldId id="287" r:id="rId20"/>
     <p:sldId id="288" r:id="rId21"/>
-    <p:sldId id="268" r:id="rId22"/>
+    <p:sldId id="289" r:id="rId22"/>
+    <p:sldId id="290" r:id="rId23"/>
+    <p:sldId id="268" r:id="rId24"/>
   </p:sldIdLst>
   <p:sldSz cx="18288000" cy="10287000"/>
   <p:notesSz cx="6858000" cy="9144000"/>
   <p:embeddedFontLst>
     <p:embeddedFont>
       <p:font typeface="Cabin Medium" panose="020B0604020202020204" charset="-93"/>
-      <p:regular r:id="rId23"/>
+      <p:regular r:id="rId25"/>
     </p:embeddedFont>
     <p:embeddedFont>
       <p:font typeface="Cabin Semi-Bold" panose="020B0604020202020204" charset="-93"/>
-      <p:regular r:id="rId24"/>
+      <p:regular r:id="rId26"/>
     </p:embeddedFont>
   </p:embeddedFontLst>
   <p:defaultTextStyle>
@@ -333,7 +335,7 @@
             <a:fld id="{1D8BD707-D9CF-40AE-B4C6-C98DA3205C09}" type="datetimeFigureOut">
               <a:rPr lang="en-US" smtClean="0"/>
               <a:pPr/>
-              <a:t>1/8/2025</a:t>
+              <a:t>1/9/2025</a:t>
             </a:fld>
             <a:endParaRPr lang="en-US"/>
           </a:p>
@@ -498,7 +500,7 @@
             <a:fld id="{1D8BD707-D9CF-40AE-B4C6-C98DA3205C09}" type="datetimeFigureOut">
               <a:rPr lang="en-US" smtClean="0"/>
               <a:pPr/>
-              <a:t>1/8/2025</a:t>
+              <a:t>1/9/2025</a:t>
             </a:fld>
             <a:endParaRPr lang="en-US"/>
           </a:p>
@@ -673,7 +675,7 @@
             <a:fld id="{1D8BD707-D9CF-40AE-B4C6-C98DA3205C09}" type="datetimeFigureOut">
               <a:rPr lang="en-US" smtClean="0"/>
               <a:pPr/>
-              <a:t>1/8/2025</a:t>
+              <a:t>1/9/2025</a:t>
             </a:fld>
             <a:endParaRPr lang="en-US"/>
           </a:p>
@@ -838,7 +840,7 @@
             <a:fld id="{1D8BD707-D9CF-40AE-B4C6-C98DA3205C09}" type="datetimeFigureOut">
               <a:rPr lang="en-US" smtClean="0"/>
               <a:pPr/>
-              <a:t>1/8/2025</a:t>
+              <a:t>1/9/2025</a:t>
             </a:fld>
             <a:endParaRPr lang="en-US"/>
           </a:p>
@@ -1080,7 +1082,7 @@
             <a:fld id="{1D8BD707-D9CF-40AE-B4C6-C98DA3205C09}" type="datetimeFigureOut">
               <a:rPr lang="en-US" smtClean="0"/>
               <a:pPr/>
-              <a:t>1/8/2025</a:t>
+              <a:t>1/9/2025</a:t>
             </a:fld>
             <a:endParaRPr lang="en-US"/>
           </a:p>
@@ -1362,7 +1364,7 @@
             <a:fld id="{1D8BD707-D9CF-40AE-B4C6-C98DA3205C09}" type="datetimeFigureOut">
               <a:rPr lang="en-US" smtClean="0"/>
               <a:pPr/>
-              <a:t>1/8/2025</a:t>
+              <a:t>1/9/2025</a:t>
             </a:fld>
             <a:endParaRPr lang="en-US"/>
           </a:p>
@@ -1778,7 +1780,7 @@
             <a:fld id="{1D8BD707-D9CF-40AE-B4C6-C98DA3205C09}" type="datetimeFigureOut">
               <a:rPr lang="en-US" smtClean="0"/>
               <a:pPr/>
-              <a:t>1/8/2025</a:t>
+              <a:t>1/9/2025</a:t>
             </a:fld>
             <a:endParaRPr lang="en-US"/>
           </a:p>
@@ -1892,7 +1894,7 @@
             <a:fld id="{1D8BD707-D9CF-40AE-B4C6-C98DA3205C09}" type="datetimeFigureOut">
               <a:rPr lang="en-US" smtClean="0"/>
               <a:pPr/>
-              <a:t>1/8/2025</a:t>
+              <a:t>1/9/2025</a:t>
             </a:fld>
             <a:endParaRPr lang="en-US"/>
           </a:p>
@@ -1984,7 +1986,7 @@
             <a:fld id="{1D8BD707-D9CF-40AE-B4C6-C98DA3205C09}" type="datetimeFigureOut">
               <a:rPr lang="en-US" smtClean="0"/>
               <a:pPr/>
-              <a:t>1/8/2025</a:t>
+              <a:t>1/9/2025</a:t>
             </a:fld>
             <a:endParaRPr lang="en-US"/>
           </a:p>
@@ -2256,7 +2258,7 @@
             <a:fld id="{1D8BD707-D9CF-40AE-B4C6-C98DA3205C09}" type="datetimeFigureOut">
               <a:rPr lang="en-US" smtClean="0"/>
               <a:pPr/>
-              <a:t>1/8/2025</a:t>
+              <a:t>1/9/2025</a:t>
             </a:fld>
             <a:endParaRPr lang="en-US"/>
           </a:p>
@@ -2505,7 +2507,7 @@
             <a:fld id="{1D8BD707-D9CF-40AE-B4C6-C98DA3205C09}" type="datetimeFigureOut">
               <a:rPr lang="en-US" smtClean="0"/>
               <a:pPr/>
-              <a:t>1/8/2025</a:t>
+              <a:t>1/9/2025</a:t>
             </a:fld>
             <a:endParaRPr lang="en-US"/>
           </a:p>
@@ -2713,7 +2715,7 @@
             <a:fld id="{1D8BD707-D9CF-40AE-B4C6-C98DA3205C09}" type="datetimeFigureOut">
               <a:rPr lang="en-US" smtClean="0"/>
               <a:pPr/>
-              <a:t>1/8/2025</a:t>
+              <a:t>1/9/2025</a:t>
             </a:fld>
             <a:endParaRPr lang="en-US"/>
           </a:p>
@@ -9231,6 +9233,804 @@
   <p:cSld>
     <p:spTree>
       <p:nvGrpSpPr>
+        <p:cNvPr id="1" name="">
+          <a:extLst>
+            <a:ext uri="{FF2B5EF4-FFF2-40B4-BE49-F238E27FC236}">
+              <a16:creationId xmlns:a16="http://schemas.microsoft.com/office/drawing/2014/main" id="{F0673353-AE97-3794-4DF8-A2BCE8BB1A75}"/>
+            </a:ext>
+          </a:extLst>
+        </p:cNvPr>
+        <p:cNvGrpSpPr/>
+        <p:nvPr/>
+      </p:nvGrpSpPr>
+      <p:grpSpPr>
+        <a:xfrm>
+          <a:off x="0" y="0"/>
+          <a:ext cx="0" cy="0"/>
+          <a:chOff x="0" y="0"/>
+          <a:chExt cx="0" cy="0"/>
+        </a:xfrm>
+      </p:grpSpPr>
+      <p:sp>
+        <p:nvSpPr>
+          <p:cNvPr id="7" name="AutoShape 7">
+            <a:extLst>
+              <a:ext uri="{FF2B5EF4-FFF2-40B4-BE49-F238E27FC236}">
+                <a16:creationId xmlns:a16="http://schemas.microsoft.com/office/drawing/2014/main" id="{2ABDB4CA-555E-B3C7-AC07-9425A8FA7313}"/>
+              </a:ext>
+            </a:extLst>
+          </p:cNvPr>
+          <p:cNvSpPr/>
+          <p:nvPr/>
+        </p:nvSpPr>
+        <p:spPr>
+          <a:xfrm>
+            <a:off x="0" y="9986435"/>
+            <a:ext cx="16445731" cy="791631"/>
+          </a:xfrm>
+          <a:prstGeom prst="rect">
+            <a:avLst/>
+          </a:prstGeom>
+          <a:solidFill>
+            <a:srgbClr val="1836B2"/>
+          </a:solidFill>
+        </p:spPr>
+        <p:txBody>
+          <a:bodyPr/>
+          <a:lstStyle/>
+          <a:p>
+            <a:endParaRPr lang="vi-VN"/>
+          </a:p>
+        </p:txBody>
+      </p:sp>
+      <p:grpSp>
+        <p:nvGrpSpPr>
+          <p:cNvPr id="8" name="Group 8">
+            <a:extLst>
+              <a:ext uri="{FF2B5EF4-FFF2-40B4-BE49-F238E27FC236}">
+                <a16:creationId xmlns:a16="http://schemas.microsoft.com/office/drawing/2014/main" id="{154F636E-5789-ABEE-40A8-4ECB49ABC8B7}"/>
+              </a:ext>
+            </a:extLst>
+          </p:cNvPr>
+          <p:cNvGrpSpPr/>
+          <p:nvPr/>
+        </p:nvGrpSpPr>
+        <p:grpSpPr>
+          <a:xfrm rot="-10800000">
+            <a:off x="14141132" y="9258300"/>
+            <a:ext cx="3194047" cy="4221147"/>
+            <a:chOff x="0" y="0"/>
+            <a:chExt cx="4064946" cy="5372100"/>
+          </a:xfrm>
+        </p:grpSpPr>
+        <p:sp>
+          <p:nvSpPr>
+            <p:cNvPr id="9" name="Freeform 9">
+              <a:extLst>
+                <a:ext uri="{FF2B5EF4-FFF2-40B4-BE49-F238E27FC236}">
+                  <a16:creationId xmlns:a16="http://schemas.microsoft.com/office/drawing/2014/main" id="{A61E71BF-25F0-B1F6-65D7-F96ABEDB7CBC}"/>
+                </a:ext>
+              </a:extLst>
+            </p:cNvPr>
+            <p:cNvSpPr/>
+            <p:nvPr/>
+          </p:nvSpPr>
+          <p:spPr>
+            <a:xfrm>
+              <a:off x="0" y="0"/>
+              <a:ext cx="4064946" cy="5372100"/>
+            </a:xfrm>
+            <a:custGeom>
+              <a:avLst/>
+              <a:gdLst/>
+              <a:ahLst/>
+              <a:cxnLst/>
+              <a:rect l="l" t="t" r="r" b="b"/>
+              <a:pathLst>
+                <a:path w="4064946" h="5372100">
+                  <a:moveTo>
+                    <a:pt x="2514276" y="0"/>
+                  </a:moveTo>
+                  <a:lnTo>
+                    <a:pt x="1550670" y="0"/>
+                  </a:lnTo>
+                  <a:lnTo>
+                    <a:pt x="0" y="2686050"/>
+                  </a:lnTo>
+                  <a:lnTo>
+                    <a:pt x="1550670" y="5372100"/>
+                  </a:lnTo>
+                  <a:lnTo>
+                    <a:pt x="2514276" y="5372100"/>
+                  </a:lnTo>
+                  <a:lnTo>
+                    <a:pt x="4064946" y="2686050"/>
+                  </a:lnTo>
+                  <a:lnTo>
+                    <a:pt x="2514276" y="0"/>
+                  </a:lnTo>
+                  <a:close/>
+                </a:path>
+              </a:pathLst>
+            </a:custGeom>
+            <a:solidFill>
+              <a:srgbClr val="A066CB"/>
+            </a:solidFill>
+          </p:spPr>
+          <p:txBody>
+            <a:bodyPr/>
+            <a:lstStyle/>
+            <a:p>
+              <a:endParaRPr lang="vi-VN"/>
+            </a:p>
+          </p:txBody>
+        </p:sp>
+      </p:grpSp>
+      <p:grpSp>
+        <p:nvGrpSpPr>
+          <p:cNvPr id="10" name="Group 10">
+            <a:extLst>
+              <a:ext uri="{FF2B5EF4-FFF2-40B4-BE49-F238E27FC236}">
+                <a16:creationId xmlns:a16="http://schemas.microsoft.com/office/drawing/2014/main" id="{401E4E9A-4C50-F0B3-0CFA-CEDE470F3F5C}"/>
+              </a:ext>
+            </a:extLst>
+          </p:cNvPr>
+          <p:cNvGrpSpPr/>
+          <p:nvPr/>
+        </p:nvGrpSpPr>
+        <p:grpSpPr>
+          <a:xfrm rot="-10800000">
+            <a:off x="15663004" y="9258300"/>
+            <a:ext cx="3194047" cy="4221147"/>
+            <a:chOff x="0" y="0"/>
+            <a:chExt cx="4064946" cy="5372100"/>
+          </a:xfrm>
+        </p:grpSpPr>
+        <p:sp>
+          <p:nvSpPr>
+            <p:cNvPr id="11" name="Freeform 11">
+              <a:extLst>
+                <a:ext uri="{FF2B5EF4-FFF2-40B4-BE49-F238E27FC236}">
+                  <a16:creationId xmlns:a16="http://schemas.microsoft.com/office/drawing/2014/main" id="{EB31E9CB-6DE9-7635-2B17-0068AFB450DF}"/>
+                </a:ext>
+              </a:extLst>
+            </p:cNvPr>
+            <p:cNvSpPr/>
+            <p:nvPr/>
+          </p:nvSpPr>
+          <p:spPr>
+            <a:xfrm>
+              <a:off x="0" y="0"/>
+              <a:ext cx="4064946" cy="5372100"/>
+            </a:xfrm>
+            <a:custGeom>
+              <a:avLst/>
+              <a:gdLst/>
+              <a:ahLst/>
+              <a:cxnLst/>
+              <a:rect l="l" t="t" r="r" b="b"/>
+              <a:pathLst>
+                <a:path w="4064946" h="5372100">
+                  <a:moveTo>
+                    <a:pt x="2514276" y="0"/>
+                  </a:moveTo>
+                  <a:lnTo>
+                    <a:pt x="1550670" y="0"/>
+                  </a:lnTo>
+                  <a:lnTo>
+                    <a:pt x="0" y="2686050"/>
+                  </a:lnTo>
+                  <a:lnTo>
+                    <a:pt x="1550670" y="5372100"/>
+                  </a:lnTo>
+                  <a:lnTo>
+                    <a:pt x="2514276" y="5372100"/>
+                  </a:lnTo>
+                  <a:lnTo>
+                    <a:pt x="4064946" y="2686050"/>
+                  </a:lnTo>
+                  <a:lnTo>
+                    <a:pt x="2514276" y="0"/>
+                  </a:lnTo>
+                  <a:close/>
+                </a:path>
+              </a:pathLst>
+            </a:custGeom>
+            <a:solidFill>
+              <a:srgbClr val="86C7ED"/>
+            </a:solidFill>
+          </p:spPr>
+          <p:txBody>
+            <a:bodyPr/>
+            <a:lstStyle/>
+            <a:p>
+              <a:endParaRPr lang="vi-VN"/>
+            </a:p>
+          </p:txBody>
+        </p:sp>
+      </p:grpSp>
+      <p:sp>
+        <p:nvSpPr>
+          <p:cNvPr id="27" name="TextBox 27">
+            <a:extLst>
+              <a:ext uri="{FF2B5EF4-FFF2-40B4-BE49-F238E27FC236}">
+                <a16:creationId xmlns:a16="http://schemas.microsoft.com/office/drawing/2014/main" id="{B51128AE-9AFE-D91A-92DC-FFC724CC4B7F}"/>
+              </a:ext>
+            </a:extLst>
+          </p:cNvPr>
+          <p:cNvSpPr txBox="1"/>
+          <p:nvPr/>
+        </p:nvSpPr>
+        <p:spPr>
+          <a:xfrm>
+            <a:off x="1059218" y="991667"/>
+            <a:ext cx="17457382" cy="1115690"/>
+          </a:xfrm>
+          <a:prstGeom prst="rect">
+            <a:avLst/>
+          </a:prstGeom>
+        </p:spPr>
+        <p:txBody>
+          <a:bodyPr wrap="square" lIns="0" tIns="0" rIns="0" bIns="0" rtlCol="0" anchor="t">
+            <a:spAutoFit/>
+          </a:bodyPr>
+          <a:lstStyle/>
+          <a:p>
+            <a:pPr marL="0" lvl="0" indent="0" algn="l">
+              <a:lnSpc>
+                <a:spcPts val="8717"/>
+              </a:lnSpc>
+              <a:spcBef>
+                <a:spcPct val="0"/>
+              </a:spcBef>
+            </a:pPr>
+            <a:r>
+              <a:rPr lang="vi-VN" sz="7700" b="1" u="none">
+                <a:solidFill>
+                  <a:srgbClr val="1836B2"/>
+                </a:solidFill>
+                <a:latin typeface="+mj-lt"/>
+                <a:ea typeface="Cabin Semi-Bold"/>
+                <a:cs typeface="Cabin Semi-Bold"/>
+                <a:sym typeface="Cabin Semi-Bold"/>
+              </a:rPr>
+              <a:t>10.Kết luận và Phương hướng phát triển</a:t>
+            </a:r>
+            <a:endParaRPr lang="en-US" sz="7700" b="1" u="none">
+              <a:solidFill>
+                <a:srgbClr val="1836B2"/>
+              </a:solidFill>
+              <a:latin typeface="+mj-lt"/>
+              <a:ea typeface="Cabin Semi-Bold"/>
+              <a:cs typeface="Cabin Semi-Bold"/>
+              <a:sym typeface="Cabin Semi-Bold"/>
+            </a:endParaRPr>
+          </a:p>
+        </p:txBody>
+      </p:sp>
+      <p:sp>
+        <p:nvSpPr>
+          <p:cNvPr id="4" name="TextBox 3">
+            <a:extLst>
+              <a:ext uri="{FF2B5EF4-FFF2-40B4-BE49-F238E27FC236}">
+                <a16:creationId xmlns:a16="http://schemas.microsoft.com/office/drawing/2014/main" id="{A03D4972-5B6A-CFCB-4E59-9C3672A75E7C}"/>
+              </a:ext>
+            </a:extLst>
+          </p:cNvPr>
+          <p:cNvSpPr txBox="1"/>
+          <p:nvPr/>
+        </p:nvSpPr>
+        <p:spPr>
+          <a:xfrm>
+            <a:off x="1432560" y="3213456"/>
+            <a:ext cx="16245840" cy="1815882"/>
+          </a:xfrm>
+          <a:prstGeom prst="rect">
+            <a:avLst/>
+          </a:prstGeom>
+          <a:noFill/>
+        </p:spPr>
+        <p:txBody>
+          <a:bodyPr wrap="square" rtlCol="0">
+            <a:spAutoFit/>
+          </a:bodyPr>
+          <a:lstStyle/>
+          <a:p>
+            <a:pPr marL="0" indent="0" algn="just">
+              <a:buNone/>
+            </a:pPr>
+            <a:r>
+              <a:rPr lang="vi-VN" sz="2800"/>
+              <a:t>Ứng dụng Web giới thiệu sản phẩm phụ kiện điện thoại cửa hàng Quốc Bảo đã được hoàn thiện với các chức năng cơ bản:</a:t>
+            </a:r>
+          </a:p>
+          <a:p>
+            <a:pPr marL="571500" indent="-571500" algn="just">
+              <a:buFont typeface="Arial" panose="020B0604020202020204" pitchFamily="34" charset="0"/>
+              <a:buChar char="•"/>
+            </a:pPr>
+            <a:r>
+              <a:rPr lang="vi-VN" sz="2800"/>
+              <a:t>Hiển thị thông tin chi tiết và hình ảnh sản phẩm.</a:t>
+            </a:r>
+          </a:p>
+          <a:p>
+            <a:pPr marL="571500" indent="-571500" algn="just">
+              <a:buFont typeface="Arial" panose="020B0604020202020204" pitchFamily="34" charset="0"/>
+              <a:buChar char="•"/>
+            </a:pPr>
+            <a:r>
+              <a:rPr lang="vi-VN" sz="2800"/>
+              <a:t>Cho phép người dùng tìm kiếm theo danh mục thể loại, giá cả và thương hiệu.</a:t>
+            </a:r>
+            <a:endParaRPr lang="vi-VN" sz="2800" dirty="0"/>
+          </a:p>
+        </p:txBody>
+      </p:sp>
+      <p:sp>
+        <p:nvSpPr>
+          <p:cNvPr id="5" name="TextBox 4">
+            <a:extLst>
+              <a:ext uri="{FF2B5EF4-FFF2-40B4-BE49-F238E27FC236}">
+                <a16:creationId xmlns:a16="http://schemas.microsoft.com/office/drawing/2014/main" id="{DF9030C1-49AE-E1EB-90D1-F91E2C3158D5}"/>
+              </a:ext>
+            </a:extLst>
+          </p:cNvPr>
+          <p:cNvSpPr txBox="1"/>
+          <p:nvPr/>
+        </p:nvSpPr>
+        <p:spPr>
+          <a:xfrm>
+            <a:off x="1447800" y="2690236"/>
+            <a:ext cx="6248400" cy="523220"/>
+          </a:xfrm>
+          <a:prstGeom prst="rect">
+            <a:avLst/>
+          </a:prstGeom>
+          <a:noFill/>
+        </p:spPr>
+        <p:txBody>
+          <a:bodyPr wrap="square" rtlCol="0">
+            <a:spAutoFit/>
+          </a:bodyPr>
+          <a:lstStyle/>
+          <a:p>
+            <a:r>
+              <a:rPr lang="vi-VN" sz="2800" b="1"/>
+              <a:t>Kết Luận</a:t>
+            </a:r>
+          </a:p>
+        </p:txBody>
+      </p:sp>
+    </p:spTree>
+    <p:extLst>
+      <p:ext uri="{BB962C8B-B14F-4D97-AF65-F5344CB8AC3E}">
+        <p14:creationId xmlns:p14="http://schemas.microsoft.com/office/powerpoint/2010/main" val="148261814"/>
+      </p:ext>
+    </p:extLst>
+  </p:cSld>
+  <p:clrMapOvr>
+    <a:masterClrMapping/>
+  </p:clrMapOvr>
+</p:sld>
+</file>
+
+<file path=ppt/slides/slide22.xml><?xml version="1.0" encoding="utf-8"?>
+<p:sld xmlns:a="http://schemas.openxmlformats.org/drawingml/2006/main" xmlns:r="http://schemas.openxmlformats.org/officeDocument/2006/relationships" xmlns:p="http://schemas.openxmlformats.org/presentationml/2006/main">
+  <p:cSld>
+    <p:spTree>
+      <p:nvGrpSpPr>
+        <p:cNvPr id="1" name="">
+          <a:extLst>
+            <a:ext uri="{FF2B5EF4-FFF2-40B4-BE49-F238E27FC236}">
+              <a16:creationId xmlns:a16="http://schemas.microsoft.com/office/drawing/2014/main" id="{C9B21851-14D0-723E-06DC-2EF9B6A86085}"/>
+            </a:ext>
+          </a:extLst>
+        </p:cNvPr>
+        <p:cNvGrpSpPr/>
+        <p:nvPr/>
+      </p:nvGrpSpPr>
+      <p:grpSpPr>
+        <a:xfrm>
+          <a:off x="0" y="0"/>
+          <a:ext cx="0" cy="0"/>
+          <a:chOff x="0" y="0"/>
+          <a:chExt cx="0" cy="0"/>
+        </a:xfrm>
+      </p:grpSpPr>
+      <p:sp>
+        <p:nvSpPr>
+          <p:cNvPr id="7" name="AutoShape 7">
+            <a:extLst>
+              <a:ext uri="{FF2B5EF4-FFF2-40B4-BE49-F238E27FC236}">
+                <a16:creationId xmlns:a16="http://schemas.microsoft.com/office/drawing/2014/main" id="{67531FD5-54C6-52B7-492E-56BD31216E05}"/>
+              </a:ext>
+            </a:extLst>
+          </p:cNvPr>
+          <p:cNvSpPr/>
+          <p:nvPr/>
+        </p:nvSpPr>
+        <p:spPr>
+          <a:xfrm>
+            <a:off x="0" y="9986435"/>
+            <a:ext cx="16445731" cy="791631"/>
+          </a:xfrm>
+          <a:prstGeom prst="rect">
+            <a:avLst/>
+          </a:prstGeom>
+          <a:solidFill>
+            <a:srgbClr val="1836B2"/>
+          </a:solidFill>
+        </p:spPr>
+        <p:txBody>
+          <a:bodyPr/>
+          <a:lstStyle/>
+          <a:p>
+            <a:endParaRPr lang="vi-VN"/>
+          </a:p>
+        </p:txBody>
+      </p:sp>
+      <p:grpSp>
+        <p:nvGrpSpPr>
+          <p:cNvPr id="8" name="Group 8">
+            <a:extLst>
+              <a:ext uri="{FF2B5EF4-FFF2-40B4-BE49-F238E27FC236}">
+                <a16:creationId xmlns:a16="http://schemas.microsoft.com/office/drawing/2014/main" id="{71A7F7C8-E105-D3FB-7872-3859B5D4C14E}"/>
+              </a:ext>
+            </a:extLst>
+          </p:cNvPr>
+          <p:cNvGrpSpPr/>
+          <p:nvPr/>
+        </p:nvGrpSpPr>
+        <p:grpSpPr>
+          <a:xfrm rot="-10800000">
+            <a:off x="14141132" y="9258300"/>
+            <a:ext cx="3194047" cy="4221147"/>
+            <a:chOff x="0" y="0"/>
+            <a:chExt cx="4064946" cy="5372100"/>
+          </a:xfrm>
+        </p:grpSpPr>
+        <p:sp>
+          <p:nvSpPr>
+            <p:cNvPr id="9" name="Freeform 9">
+              <a:extLst>
+                <a:ext uri="{FF2B5EF4-FFF2-40B4-BE49-F238E27FC236}">
+                  <a16:creationId xmlns:a16="http://schemas.microsoft.com/office/drawing/2014/main" id="{882A30B9-BF2A-ADB0-9B53-15602C8C4D37}"/>
+                </a:ext>
+              </a:extLst>
+            </p:cNvPr>
+            <p:cNvSpPr/>
+            <p:nvPr/>
+          </p:nvSpPr>
+          <p:spPr>
+            <a:xfrm>
+              <a:off x="0" y="0"/>
+              <a:ext cx="4064946" cy="5372100"/>
+            </a:xfrm>
+            <a:custGeom>
+              <a:avLst/>
+              <a:gdLst/>
+              <a:ahLst/>
+              <a:cxnLst/>
+              <a:rect l="l" t="t" r="r" b="b"/>
+              <a:pathLst>
+                <a:path w="4064946" h="5372100">
+                  <a:moveTo>
+                    <a:pt x="2514276" y="0"/>
+                  </a:moveTo>
+                  <a:lnTo>
+                    <a:pt x="1550670" y="0"/>
+                  </a:lnTo>
+                  <a:lnTo>
+                    <a:pt x="0" y="2686050"/>
+                  </a:lnTo>
+                  <a:lnTo>
+                    <a:pt x="1550670" y="5372100"/>
+                  </a:lnTo>
+                  <a:lnTo>
+                    <a:pt x="2514276" y="5372100"/>
+                  </a:lnTo>
+                  <a:lnTo>
+                    <a:pt x="4064946" y="2686050"/>
+                  </a:lnTo>
+                  <a:lnTo>
+                    <a:pt x="2514276" y="0"/>
+                  </a:lnTo>
+                  <a:close/>
+                </a:path>
+              </a:pathLst>
+            </a:custGeom>
+            <a:solidFill>
+              <a:srgbClr val="A066CB"/>
+            </a:solidFill>
+          </p:spPr>
+          <p:txBody>
+            <a:bodyPr/>
+            <a:lstStyle/>
+            <a:p>
+              <a:endParaRPr lang="vi-VN"/>
+            </a:p>
+          </p:txBody>
+        </p:sp>
+      </p:grpSp>
+      <p:grpSp>
+        <p:nvGrpSpPr>
+          <p:cNvPr id="10" name="Group 10">
+            <a:extLst>
+              <a:ext uri="{FF2B5EF4-FFF2-40B4-BE49-F238E27FC236}">
+                <a16:creationId xmlns:a16="http://schemas.microsoft.com/office/drawing/2014/main" id="{FD63A21C-AD86-4671-0085-04FFE5C890AA}"/>
+              </a:ext>
+            </a:extLst>
+          </p:cNvPr>
+          <p:cNvGrpSpPr/>
+          <p:nvPr/>
+        </p:nvGrpSpPr>
+        <p:grpSpPr>
+          <a:xfrm rot="-10800000">
+            <a:off x="15663004" y="9258300"/>
+            <a:ext cx="3194047" cy="4221147"/>
+            <a:chOff x="0" y="0"/>
+            <a:chExt cx="4064946" cy="5372100"/>
+          </a:xfrm>
+        </p:grpSpPr>
+        <p:sp>
+          <p:nvSpPr>
+            <p:cNvPr id="11" name="Freeform 11">
+              <a:extLst>
+                <a:ext uri="{FF2B5EF4-FFF2-40B4-BE49-F238E27FC236}">
+                  <a16:creationId xmlns:a16="http://schemas.microsoft.com/office/drawing/2014/main" id="{DCF435BD-2D6D-692D-D0D4-55077E277C58}"/>
+                </a:ext>
+              </a:extLst>
+            </p:cNvPr>
+            <p:cNvSpPr/>
+            <p:nvPr/>
+          </p:nvSpPr>
+          <p:spPr>
+            <a:xfrm>
+              <a:off x="0" y="0"/>
+              <a:ext cx="4064946" cy="5372100"/>
+            </a:xfrm>
+            <a:custGeom>
+              <a:avLst/>
+              <a:gdLst/>
+              <a:ahLst/>
+              <a:cxnLst/>
+              <a:rect l="l" t="t" r="r" b="b"/>
+              <a:pathLst>
+                <a:path w="4064946" h="5372100">
+                  <a:moveTo>
+                    <a:pt x="2514276" y="0"/>
+                  </a:moveTo>
+                  <a:lnTo>
+                    <a:pt x="1550670" y="0"/>
+                  </a:lnTo>
+                  <a:lnTo>
+                    <a:pt x="0" y="2686050"/>
+                  </a:lnTo>
+                  <a:lnTo>
+                    <a:pt x="1550670" y="5372100"/>
+                  </a:lnTo>
+                  <a:lnTo>
+                    <a:pt x="2514276" y="5372100"/>
+                  </a:lnTo>
+                  <a:lnTo>
+                    <a:pt x="4064946" y="2686050"/>
+                  </a:lnTo>
+                  <a:lnTo>
+                    <a:pt x="2514276" y="0"/>
+                  </a:lnTo>
+                  <a:close/>
+                </a:path>
+              </a:pathLst>
+            </a:custGeom>
+            <a:solidFill>
+              <a:srgbClr val="86C7ED"/>
+            </a:solidFill>
+          </p:spPr>
+          <p:txBody>
+            <a:bodyPr/>
+            <a:lstStyle/>
+            <a:p>
+              <a:endParaRPr lang="vi-VN"/>
+            </a:p>
+          </p:txBody>
+        </p:sp>
+      </p:grpSp>
+      <p:sp>
+        <p:nvSpPr>
+          <p:cNvPr id="27" name="TextBox 27">
+            <a:extLst>
+              <a:ext uri="{FF2B5EF4-FFF2-40B4-BE49-F238E27FC236}">
+                <a16:creationId xmlns:a16="http://schemas.microsoft.com/office/drawing/2014/main" id="{E642C9E5-F3D8-2D64-19E4-FF10A13DDE2D}"/>
+              </a:ext>
+            </a:extLst>
+          </p:cNvPr>
+          <p:cNvSpPr txBox="1"/>
+          <p:nvPr/>
+        </p:nvSpPr>
+        <p:spPr>
+          <a:xfrm>
+            <a:off x="1059218" y="991667"/>
+            <a:ext cx="17457382" cy="1115690"/>
+          </a:xfrm>
+          <a:prstGeom prst="rect">
+            <a:avLst/>
+          </a:prstGeom>
+        </p:spPr>
+        <p:txBody>
+          <a:bodyPr wrap="square" lIns="0" tIns="0" rIns="0" bIns="0" rtlCol="0" anchor="t">
+            <a:spAutoFit/>
+          </a:bodyPr>
+          <a:lstStyle/>
+          <a:p>
+            <a:pPr marL="0" lvl="0" indent="0" algn="l">
+              <a:lnSpc>
+                <a:spcPts val="8717"/>
+              </a:lnSpc>
+              <a:spcBef>
+                <a:spcPct val="0"/>
+              </a:spcBef>
+            </a:pPr>
+            <a:r>
+              <a:rPr lang="vi-VN" sz="7700" b="1" u="none">
+                <a:solidFill>
+                  <a:srgbClr val="1836B2"/>
+                </a:solidFill>
+                <a:latin typeface="+mj-lt"/>
+                <a:ea typeface="Cabin Semi-Bold"/>
+                <a:cs typeface="Cabin Semi-Bold"/>
+                <a:sym typeface="Cabin Semi-Bold"/>
+              </a:rPr>
+              <a:t>10.Kết luận và Phương hướng phát triển</a:t>
+            </a:r>
+            <a:endParaRPr lang="en-US" sz="7700" b="1" u="none">
+              <a:solidFill>
+                <a:srgbClr val="1836B2"/>
+              </a:solidFill>
+              <a:latin typeface="+mj-lt"/>
+              <a:ea typeface="Cabin Semi-Bold"/>
+              <a:cs typeface="Cabin Semi-Bold"/>
+              <a:sym typeface="Cabin Semi-Bold"/>
+            </a:endParaRPr>
+          </a:p>
+        </p:txBody>
+      </p:sp>
+      <p:sp>
+        <p:nvSpPr>
+          <p:cNvPr id="4" name="TextBox 3">
+            <a:extLst>
+              <a:ext uri="{FF2B5EF4-FFF2-40B4-BE49-F238E27FC236}">
+                <a16:creationId xmlns:a16="http://schemas.microsoft.com/office/drawing/2014/main" id="{B0F50982-EFF2-3255-64F1-B69AECC34210}"/>
+              </a:ext>
+            </a:extLst>
+          </p:cNvPr>
+          <p:cNvSpPr txBox="1"/>
+          <p:nvPr/>
+        </p:nvSpPr>
+        <p:spPr>
+          <a:xfrm>
+            <a:off x="1432560" y="3201531"/>
+            <a:ext cx="16245840" cy="3539430"/>
+          </a:xfrm>
+          <a:prstGeom prst="rect">
+            <a:avLst/>
+          </a:prstGeom>
+          <a:noFill/>
+        </p:spPr>
+        <p:txBody>
+          <a:bodyPr wrap="square" rtlCol="0">
+            <a:spAutoFit/>
+          </a:bodyPr>
+          <a:lstStyle/>
+          <a:p>
+            <a:pPr marL="457200" indent="-457200" algn="just">
+              <a:buFont typeface="Arial" panose="020B0604020202020204" pitchFamily="34" charset="0"/>
+              <a:buChar char="•"/>
+            </a:pPr>
+            <a:r>
+              <a:rPr lang="vi-VN" sz="2800"/>
+              <a:t>Cập nhật thêm thông tin về lĩnh vực phụ kiện điện thoại để tạo thêm nhiều danh mục và các sản phẩm mới nhằm thu hút khách hàng.</a:t>
+            </a:r>
+          </a:p>
+          <a:p>
+            <a:pPr marL="457200" indent="-457200" algn="just">
+              <a:buFont typeface="Arial" panose="020B0604020202020204" pitchFamily="34" charset="0"/>
+              <a:buChar char="•"/>
+            </a:pPr>
+            <a:r>
+              <a:rPr lang="vi-VN" sz="2800"/>
+              <a:t>Cải tiến giao diện thêm trực quan và sinh động </a:t>
+            </a:r>
+          </a:p>
+          <a:p>
+            <a:pPr marL="457200" indent="-457200" algn="just">
+              <a:buFont typeface="Arial" panose="020B0604020202020204" pitchFamily="34" charset="0"/>
+              <a:buChar char="•"/>
+            </a:pPr>
+            <a:r>
+              <a:rPr lang="vi-VN" sz="2800"/>
+              <a:t>Tăng cường quảng cáo cửa hàng trên các nền tảng mạng xã hội</a:t>
+            </a:r>
+          </a:p>
+          <a:p>
+            <a:pPr marL="457200" indent="-457200" algn="just">
+              <a:buFont typeface="Arial" panose="020B0604020202020204" pitchFamily="34" charset="0"/>
+              <a:buChar char="•"/>
+            </a:pPr>
+            <a:r>
+              <a:rPr lang="vi-VN" sz="2800"/>
+              <a:t>…</a:t>
+            </a:r>
+          </a:p>
+          <a:p>
+            <a:pPr algn="just"/>
+            <a:r>
+              <a:rPr lang="vi-VN" sz="2800"/>
+              <a:t>Với những phương hướng phát triển đúng đắn thì có thể hướng đến một nền tảng tiềm năng để để xây dựng thương hiệu và đạt được các mục tiêu cá nhân.</a:t>
+            </a:r>
+          </a:p>
+          <a:p>
+            <a:pPr marL="457200" indent="-457200" algn="just">
+              <a:buFont typeface="Arial" panose="020B0604020202020204" pitchFamily="34" charset="0"/>
+              <a:buChar char="•"/>
+            </a:pPr>
+            <a:endParaRPr lang="vi-VN" sz="2800" dirty="0"/>
+          </a:p>
+        </p:txBody>
+      </p:sp>
+      <p:sp>
+        <p:nvSpPr>
+          <p:cNvPr id="5" name="TextBox 4">
+            <a:extLst>
+              <a:ext uri="{FF2B5EF4-FFF2-40B4-BE49-F238E27FC236}">
+                <a16:creationId xmlns:a16="http://schemas.microsoft.com/office/drawing/2014/main" id="{D7C01317-8477-F560-F2F2-698054ED3D46}"/>
+              </a:ext>
+            </a:extLst>
+          </p:cNvPr>
+          <p:cNvSpPr txBox="1"/>
+          <p:nvPr/>
+        </p:nvSpPr>
+        <p:spPr>
+          <a:xfrm>
+            <a:off x="1447800" y="2690236"/>
+            <a:ext cx="6248400" cy="523220"/>
+          </a:xfrm>
+          <a:prstGeom prst="rect">
+            <a:avLst/>
+          </a:prstGeom>
+          <a:noFill/>
+        </p:spPr>
+        <p:txBody>
+          <a:bodyPr wrap="square" rtlCol="0">
+            <a:spAutoFit/>
+          </a:bodyPr>
+          <a:lstStyle/>
+          <a:p>
+            <a:r>
+              <a:rPr lang="vi-VN" sz="2800" b="1"/>
+              <a:t>Phương hướng phát triển</a:t>
+            </a:r>
+          </a:p>
+        </p:txBody>
+      </p:sp>
+    </p:spTree>
+    <p:extLst>
+      <p:ext uri="{BB962C8B-B14F-4D97-AF65-F5344CB8AC3E}">
+        <p14:creationId xmlns:p14="http://schemas.microsoft.com/office/powerpoint/2010/main" val="504096479"/>
+      </p:ext>
+    </p:extLst>
+  </p:cSld>
+  <p:clrMapOvr>
+    <a:masterClrMapping/>
+  </p:clrMapOvr>
+</p:sld>
+</file>
+
+<file path=ppt/slides/slide23.xml><?xml version="1.0" encoding="utf-8"?>
+<p:sld xmlns:a="http://schemas.openxmlformats.org/drawingml/2006/main" xmlns:r="http://schemas.openxmlformats.org/officeDocument/2006/relationships" xmlns:p="http://schemas.openxmlformats.org/presentationml/2006/main">
+  <p:cSld>
+    <p:spTree>
+      <p:nvGrpSpPr>
         <p:cNvPr id="1" name=""/>
         <p:cNvGrpSpPr/>
         <p:nvPr/>
